--- a/ComputerMath/PPT/第05讲 基底变换.pptx
+++ b/ComputerMath/PPT/第05讲 基底变换.pptx
@@ -258,7 +258,7 @@
           <a:p>
             <a:fld id="{87DCD449-0720-4299-8DE9-69CE28848277}" type="datetimeFigureOut">
               <a:rPr lang="zh-CN" altLang="en-US" smtClean="0"/>
-              <a:t>2020-2-25</a:t>
+              <a:t>2020-2-28</a:t>
             </a:fld>
             <a:endParaRPr lang="zh-CN" altLang="en-US"/>
           </a:p>
@@ -2553,8 +2553,8 @@
         </p:nvSpPr>
         <p:spPr>
           <a:xfrm>
-            <a:off x="827579" y="2819400"/>
-            <a:ext cx="1402097" cy="1676400"/>
+            <a:off x="827579" y="3048000"/>
+            <a:ext cx="1402097" cy="1447800"/>
           </a:xfrm>
           <a:custGeom>
             <a:avLst/>
@@ -6314,7 +6314,7 @@
             </a:r>
             <a:r>
               <a:rPr lang="en-US" altLang="zh-CN" dirty="0"/>
-              <a:t>3</a:t>
+              <a:t>03</a:t>
             </a:r>
             <a:r>
               <a:rPr lang="zh-CN" altLang="en-US" dirty="0"/>
@@ -16895,7 +16895,7 @@
         <p:spPr>
           <a:xfrm>
             <a:off x="3048000" y="1400874"/>
-            <a:ext cx="5791200" cy="3565913"/>
+            <a:ext cx="5791200" cy="2816990"/>
           </a:xfrm>
         </p:spPr>
         <p:txBody>
@@ -16904,35 +16904,52 @@
           <a:p>
             <a:r>
               <a:rPr lang="zh-CN" altLang="en-US" dirty="0"/>
-              <a:t>什么是线性代数？</a:t>
+              <a:t>以</a:t>
+            </a:r>
+            <a:r>
+              <a:rPr lang="zh-CN" altLang="en-US" dirty="0">
+                <a:solidFill>
+                  <a:srgbClr val="FF0000"/>
+                </a:solidFill>
+              </a:rPr>
+              <a:t>列</a:t>
+            </a:r>
+            <a:r>
+              <a:rPr lang="zh-CN" altLang="en-US" dirty="0"/>
+              <a:t>的角度审视矩阵和向量乘法</a:t>
             </a:r>
             <a:endParaRPr lang="en-US" altLang="zh-CN" dirty="0"/>
           </a:p>
           <a:p>
             <a:r>
               <a:rPr lang="zh-CN" altLang="en-US" dirty="0"/>
-              <a:t>为什么要学线性代数？</a:t>
+              <a:t>向量的基底变换</a:t>
             </a:r>
             <a:endParaRPr lang="en-US" altLang="zh-CN" dirty="0"/>
           </a:p>
           <a:p>
             <a:r>
               <a:rPr lang="zh-CN" altLang="en-US" dirty="0"/>
-              <a:t>计算机领域的线性代数有什么不同？</a:t>
+              <a:t>三阶方阵的基底</a:t>
             </a:r>
             <a:endParaRPr lang="en-US" altLang="zh-CN" dirty="0"/>
           </a:p>
           <a:p>
             <a:r>
+              <a:rPr lang="en-US" altLang="zh-CN" b="0" i="1" dirty="0"/>
+              <a:t>m </a:t>
+            </a:r>
+            <a:r>
+              <a:rPr lang="en-US" altLang="zh-CN" dirty="0"/>
+              <a:t>×</a:t>
+            </a:r>
+            <a:r>
+              <a:rPr lang="en-US" altLang="zh-CN" b="0" i="1" dirty="0"/>
+              <a:t>n </a:t>
+            </a:r>
+            <a:r>
               <a:rPr lang="zh-CN" altLang="en-US" dirty="0"/>
-              <a:t>线性代数的基本载体</a:t>
-            </a:r>
-            <a:endParaRPr lang="en-US" altLang="zh-CN" dirty="0"/>
-          </a:p>
-          <a:p>
-            <a:r>
-              <a:rPr lang="zh-CN" altLang="en-US" dirty="0"/>
-              <a:t>一切都是张量</a:t>
+              <a:t>矩阵的基底</a:t>
             </a:r>
           </a:p>
         </p:txBody>
@@ -26180,7 +26197,39 @@
           <a:p>
             <a:r>
               <a:rPr lang="zh-CN" altLang="en-US" dirty="0"/>
-              <a:t>什么是线性代数？</a:t>
+              <a:t>重温</a:t>
+            </a:r>
+            <a:r>
+              <a:rPr lang="zh-CN" altLang="en-US" dirty="0">
+                <a:solidFill>
+                  <a:srgbClr val="0000FF"/>
+                </a:solidFill>
+              </a:rPr>
+              <a:t>矩阵</a:t>
+            </a:r>
+            <a:r>
+              <a:rPr lang="zh-CN" altLang="en-US" dirty="0"/>
+              <a:t>和</a:t>
+            </a:r>
+            <a:r>
+              <a:rPr lang="zh-CN" altLang="en-US" dirty="0">
+                <a:solidFill>
+                  <a:srgbClr val="0000FF"/>
+                </a:solidFill>
+              </a:rPr>
+              <a:t>向量</a:t>
+            </a:r>
+            <a:r>
+              <a:rPr lang="zh-CN" altLang="en-US" dirty="0">
+                <a:solidFill>
+                  <a:srgbClr val="FF0000"/>
+                </a:solidFill>
+              </a:rPr>
+              <a:t>相乘</a:t>
+            </a:r>
+            <a:r>
+              <a:rPr lang="zh-CN" altLang="en-US" dirty="0"/>
+              <a:t>的运算法则</a:t>
             </a:r>
           </a:p>
         </p:txBody>
@@ -31977,7 +32026,7 @@
           <a:p>
             <a:r>
               <a:rPr lang="zh-CN" altLang="en-US" dirty="0"/>
-              <a:t>为什么要学线性代数？</a:t>
+              <a:t>列的角度：重新组合和矩阵的列向量</a:t>
             </a:r>
             <a:endParaRPr lang="en-US" altLang="zh-CN" dirty="0"/>
           </a:p>
